--- a/Introducción a Jira.pptx
+++ b/Introducción a Jira.pptx
@@ -407,7 +407,7 @@
           <a:p>
             <a:fld id="{70E76443-7683-454B-881D-11927EB8B12A}" type="datetimeFigureOut">
               <a:rPr lang="es-MX" smtClean="0"/>
-              <a:t>13/07/2022</a:t>
+              <a:t>14/07/2022</a:t>
             </a:fld>
             <a:endParaRPr lang="es-MX"/>
           </a:p>
@@ -607,7 +607,7 @@
           <a:p>
             <a:fld id="{70E76443-7683-454B-881D-11927EB8B12A}" type="datetimeFigureOut">
               <a:rPr lang="es-MX" smtClean="0"/>
-              <a:t>13/07/2022</a:t>
+              <a:t>14/07/2022</a:t>
             </a:fld>
             <a:endParaRPr lang="es-MX"/>
           </a:p>
@@ -817,7 +817,7 @@
           <a:p>
             <a:fld id="{70E76443-7683-454B-881D-11927EB8B12A}" type="datetimeFigureOut">
               <a:rPr lang="es-MX" smtClean="0"/>
-              <a:t>13/07/2022</a:t>
+              <a:t>14/07/2022</a:t>
             </a:fld>
             <a:endParaRPr lang="es-MX"/>
           </a:p>
@@ -1017,7 +1017,7 @@
           <a:p>
             <a:fld id="{70E76443-7683-454B-881D-11927EB8B12A}" type="datetimeFigureOut">
               <a:rPr lang="es-MX" smtClean="0"/>
-              <a:t>13/07/2022</a:t>
+              <a:t>14/07/2022</a:t>
             </a:fld>
             <a:endParaRPr lang="es-MX"/>
           </a:p>
@@ -1293,7 +1293,7 @@
           <a:p>
             <a:fld id="{70E76443-7683-454B-881D-11927EB8B12A}" type="datetimeFigureOut">
               <a:rPr lang="es-MX" smtClean="0"/>
-              <a:t>13/07/2022</a:t>
+              <a:t>14/07/2022</a:t>
             </a:fld>
             <a:endParaRPr lang="es-MX"/>
           </a:p>
@@ -1561,7 +1561,7 @@
           <a:p>
             <a:fld id="{70E76443-7683-454B-881D-11927EB8B12A}" type="datetimeFigureOut">
               <a:rPr lang="es-MX" smtClean="0"/>
-              <a:t>13/07/2022</a:t>
+              <a:t>14/07/2022</a:t>
             </a:fld>
             <a:endParaRPr lang="es-MX"/>
           </a:p>
@@ -1976,7 +1976,7 @@
           <a:p>
             <a:fld id="{70E76443-7683-454B-881D-11927EB8B12A}" type="datetimeFigureOut">
               <a:rPr lang="es-MX" smtClean="0"/>
-              <a:t>13/07/2022</a:t>
+              <a:t>14/07/2022</a:t>
             </a:fld>
             <a:endParaRPr lang="es-MX"/>
           </a:p>
@@ -2118,7 +2118,7 @@
           <a:p>
             <a:fld id="{70E76443-7683-454B-881D-11927EB8B12A}" type="datetimeFigureOut">
               <a:rPr lang="es-MX" smtClean="0"/>
-              <a:t>13/07/2022</a:t>
+              <a:t>14/07/2022</a:t>
             </a:fld>
             <a:endParaRPr lang="es-MX"/>
           </a:p>
@@ -2231,7 +2231,7 @@
           <a:p>
             <a:fld id="{70E76443-7683-454B-881D-11927EB8B12A}" type="datetimeFigureOut">
               <a:rPr lang="es-MX" smtClean="0"/>
-              <a:t>13/07/2022</a:t>
+              <a:t>14/07/2022</a:t>
             </a:fld>
             <a:endParaRPr lang="es-MX"/>
           </a:p>
@@ -2544,7 +2544,7 @@
           <a:p>
             <a:fld id="{70E76443-7683-454B-881D-11927EB8B12A}" type="datetimeFigureOut">
               <a:rPr lang="es-MX" smtClean="0"/>
-              <a:t>13/07/2022</a:t>
+              <a:t>14/07/2022</a:t>
             </a:fld>
             <a:endParaRPr lang="es-MX"/>
           </a:p>
@@ -2833,7 +2833,7 @@
           <a:p>
             <a:fld id="{70E76443-7683-454B-881D-11927EB8B12A}" type="datetimeFigureOut">
               <a:rPr lang="es-MX" smtClean="0"/>
-              <a:t>13/07/2022</a:t>
+              <a:t>14/07/2022</a:t>
             </a:fld>
             <a:endParaRPr lang="es-MX"/>
           </a:p>
@@ -3076,7 +3076,7 @@
           <a:p>
             <a:fld id="{70E76443-7683-454B-881D-11927EB8B12A}" type="datetimeFigureOut">
               <a:rPr lang="es-MX" smtClean="0"/>
-              <a:t>13/07/2022</a:t>
+              <a:t>14/07/2022</a:t>
             </a:fld>
             <a:endParaRPr lang="es-MX"/>
           </a:p>
@@ -6813,6 +6813,23 @@
           <a:lstStyle/>
           <a:p>
             <a:r>
+              <a:rPr lang="es-MX" dirty="0">
+                <a:ln w="0"/>
+                <a:solidFill>
+                  <a:schemeClr val="tx1"/>
+                </a:solidFill>
+                <a:effectLst>
+                  <a:outerShdw blurRad="38100" dist="19050" dir="2700000" algn="tl" rotWithShape="0">
+                    <a:schemeClr val="dk1">
+                      <a:alpha val="40000"/>
+                    </a:schemeClr>
+                  </a:outerShdw>
+                </a:effectLst>
+                <a:hlinkClick r:id="rId3"/>
+              </a:rPr>
+              <a:t>https://github.com/newlandapps/reunion/blob/main/Introducci%C3%B3n%20a%20Jira</a:t>
+            </a:r>
+            <a:r>
               <a:rPr lang="es-MX">
                 <a:ln w="0"/>
                 <a:solidFill>
@@ -6827,7 +6844,7 @@
                 </a:effectLst>
                 <a:hlinkClick r:id="rId3"/>
               </a:rPr>
-              <a:t>https://github.com/newlandapps/NewlandApps-Courses/blob/main/Introducci%C3%B3n%20a%20Jira.pptx</a:t>
+              <a:t>.pptx</a:t>
             </a:r>
             <a:endParaRPr lang="es-MX">
               <a:ln w="0"/>
@@ -6844,7 +6861,19 @@
             </a:endParaRPr>
           </a:p>
           <a:p>
-            <a:endParaRPr lang="es-MX" u="sng" dirty="0"/>
+            <a:endParaRPr lang="es-MX" u="sng" dirty="0">
+              <a:ln w="0"/>
+              <a:solidFill>
+                <a:schemeClr val="tx1"/>
+              </a:solidFill>
+              <a:effectLst>
+                <a:outerShdw blurRad="38100" dist="19050" dir="2700000" algn="tl" rotWithShape="0">
+                  <a:schemeClr val="dk1">
+                    <a:alpha val="40000"/>
+                  </a:schemeClr>
+                </a:outerShdw>
+              </a:effectLst>
+            </a:endParaRPr>
           </a:p>
         </p:txBody>
       </p:sp>
